--- a/ppt 16-9/1077.耶稣领我.pptx
+++ b/ppt 16-9/1077.耶稣领我.pptx
@@ -129,7 +129,7 @@
           <p:cNvPr id="2" name="标题 1">
             <a:extLst>
               <a:ext uri="{FF2B5EF4-FFF2-40B4-BE49-F238E27FC236}">
-                <a16:creationId xmlns:a16="http://schemas.microsoft.com/office/drawing/2014/main" id="{8B3B239F-5546-B705-EC45-E4E1811DA160}"/>
+                <a16:creationId xmlns:a16="http://schemas.microsoft.com/office/drawing/2014/main" id="{87D4C047-2E96-D938-7421-7C9388A80725}"/>
               </a:ext>
             </a:extLst>
           </p:cNvPr>
@@ -166,7 +166,7 @@
           <p:cNvPr id="3" name="副标题 2">
             <a:extLst>
               <a:ext uri="{FF2B5EF4-FFF2-40B4-BE49-F238E27FC236}">
-                <a16:creationId xmlns:a16="http://schemas.microsoft.com/office/drawing/2014/main" id="{ECB1F064-9677-3C55-9F05-53AC9CE7A3D6}"/>
+                <a16:creationId xmlns:a16="http://schemas.microsoft.com/office/drawing/2014/main" id="{F22CFA47-DF4D-423D-FF67-AFF7616A679F}"/>
               </a:ext>
             </a:extLst>
           </p:cNvPr>
@@ -236,7 +236,7 @@
           <p:cNvPr id="4" name="日期占位符 3">
             <a:extLst>
               <a:ext uri="{FF2B5EF4-FFF2-40B4-BE49-F238E27FC236}">
-                <a16:creationId xmlns:a16="http://schemas.microsoft.com/office/drawing/2014/main" id="{B87BB98F-2D22-EDA5-8DB5-271A4B6DE52A}"/>
+                <a16:creationId xmlns:a16="http://schemas.microsoft.com/office/drawing/2014/main" id="{E167A5AF-7908-E3D6-E157-44D8C8219872}"/>
               </a:ext>
             </a:extLst>
           </p:cNvPr>
@@ -252,7 +252,7 @@
           <a:bodyPr/>
           <a:lstStyle/>
           <a:p>
-            <a:fld id="{5269C7B9-CD81-44B8-BBED-32535DFC7059}" type="datetimeFigureOut">
+            <a:fld id="{3139CDDD-6DCD-474E-82F6-523633740C46}" type="datetimeFigureOut">
               <a:rPr lang="zh-CN" altLang="en-US" smtClean="0"/>
               <a:t>2024/3/10</a:t>
             </a:fld>
@@ -265,7 +265,7 @@
           <p:cNvPr id="5" name="页脚占位符 4">
             <a:extLst>
               <a:ext uri="{FF2B5EF4-FFF2-40B4-BE49-F238E27FC236}">
-                <a16:creationId xmlns:a16="http://schemas.microsoft.com/office/drawing/2014/main" id="{BF036312-9A62-2323-F51E-70D049A89D97}"/>
+                <a16:creationId xmlns:a16="http://schemas.microsoft.com/office/drawing/2014/main" id="{72F79B33-B19A-3E71-BBA4-AF212B0DF5A1}"/>
               </a:ext>
             </a:extLst>
           </p:cNvPr>
@@ -290,7 +290,7 @@
           <p:cNvPr id="6" name="灯片编号占位符 5">
             <a:extLst>
               <a:ext uri="{FF2B5EF4-FFF2-40B4-BE49-F238E27FC236}">
-                <a16:creationId xmlns:a16="http://schemas.microsoft.com/office/drawing/2014/main" id="{48A4AF73-0C4B-DA96-B8F9-FB03138CD7BD}"/>
+                <a16:creationId xmlns:a16="http://schemas.microsoft.com/office/drawing/2014/main" id="{0B021DAA-194F-D6B2-1054-BFFB41D46B6E}"/>
               </a:ext>
             </a:extLst>
           </p:cNvPr>
@@ -306,7 +306,7 @@
           <a:bodyPr/>
           <a:lstStyle/>
           <a:p>
-            <a:fld id="{57AFC765-9596-47B3-BA43-92AF81B90D33}" type="slidenum">
+            <a:fld id="{829E0766-E99F-4AB1-9D2D-DE9FBE7617AD}" type="slidenum">
               <a:rPr lang="zh-CN" altLang="en-US" smtClean="0"/>
               <a:t>‹#›</a:t>
             </a:fld>
@@ -317,7 +317,7 @@
     </p:spTree>
     <p:extLst>
       <p:ext uri="{BB962C8B-B14F-4D97-AF65-F5344CB8AC3E}">
-        <p14:creationId xmlns:p14="http://schemas.microsoft.com/office/powerpoint/2010/main" val="2298957320"/>
+        <p14:creationId xmlns:p14="http://schemas.microsoft.com/office/powerpoint/2010/main" val="2253977631"/>
       </p:ext>
     </p:extLst>
   </p:cSld>
@@ -349,7 +349,7 @@
           <p:cNvPr id="2" name="标题 1">
             <a:extLst>
               <a:ext uri="{FF2B5EF4-FFF2-40B4-BE49-F238E27FC236}">
-                <a16:creationId xmlns:a16="http://schemas.microsoft.com/office/drawing/2014/main" id="{3F87B21F-B78B-AF30-DB9C-BE9BE70103F6}"/>
+                <a16:creationId xmlns:a16="http://schemas.microsoft.com/office/drawing/2014/main" id="{E6A436CB-5842-0171-15EC-186E13D84453}"/>
               </a:ext>
             </a:extLst>
           </p:cNvPr>
@@ -377,7 +377,7 @@
           <p:cNvPr id="3" name="竖排文字占位符 2">
             <a:extLst>
               <a:ext uri="{FF2B5EF4-FFF2-40B4-BE49-F238E27FC236}">
-                <a16:creationId xmlns:a16="http://schemas.microsoft.com/office/drawing/2014/main" id="{FAA997C2-B81E-3191-6DB2-6DCC2FAD8BA1}"/>
+                <a16:creationId xmlns:a16="http://schemas.microsoft.com/office/drawing/2014/main" id="{2AD2EB9C-46F0-749D-907C-0805153D4489}"/>
               </a:ext>
             </a:extLst>
           </p:cNvPr>
@@ -434,7 +434,7 @@
           <p:cNvPr id="4" name="日期占位符 3">
             <a:extLst>
               <a:ext uri="{FF2B5EF4-FFF2-40B4-BE49-F238E27FC236}">
-                <a16:creationId xmlns:a16="http://schemas.microsoft.com/office/drawing/2014/main" id="{1DA143ED-4EAD-5400-C8E8-95B3E03C8B77}"/>
+                <a16:creationId xmlns:a16="http://schemas.microsoft.com/office/drawing/2014/main" id="{7D01101C-D9D1-BB7A-0EE8-EC9EDA5C916A}"/>
               </a:ext>
             </a:extLst>
           </p:cNvPr>
@@ -450,7 +450,7 @@
           <a:bodyPr/>
           <a:lstStyle/>
           <a:p>
-            <a:fld id="{5269C7B9-CD81-44B8-BBED-32535DFC7059}" type="datetimeFigureOut">
+            <a:fld id="{3139CDDD-6DCD-474E-82F6-523633740C46}" type="datetimeFigureOut">
               <a:rPr lang="zh-CN" altLang="en-US" smtClean="0"/>
               <a:t>2024/3/10</a:t>
             </a:fld>
@@ -463,7 +463,7 @@
           <p:cNvPr id="5" name="页脚占位符 4">
             <a:extLst>
               <a:ext uri="{FF2B5EF4-FFF2-40B4-BE49-F238E27FC236}">
-                <a16:creationId xmlns:a16="http://schemas.microsoft.com/office/drawing/2014/main" id="{025ED049-D9F7-1A79-EFB6-9492BC2F668B}"/>
+                <a16:creationId xmlns:a16="http://schemas.microsoft.com/office/drawing/2014/main" id="{1F7C5D71-4F0C-702C-D357-FDE3A9E698F9}"/>
               </a:ext>
             </a:extLst>
           </p:cNvPr>
@@ -488,7 +488,7 @@
           <p:cNvPr id="6" name="灯片编号占位符 5">
             <a:extLst>
               <a:ext uri="{FF2B5EF4-FFF2-40B4-BE49-F238E27FC236}">
-                <a16:creationId xmlns:a16="http://schemas.microsoft.com/office/drawing/2014/main" id="{5122BC9C-9122-CFC5-4E33-F1AC887FE1A3}"/>
+                <a16:creationId xmlns:a16="http://schemas.microsoft.com/office/drawing/2014/main" id="{FB1F804D-F485-EEBC-0C50-BE108370C3E5}"/>
               </a:ext>
             </a:extLst>
           </p:cNvPr>
@@ -504,7 +504,7 @@
           <a:bodyPr/>
           <a:lstStyle/>
           <a:p>
-            <a:fld id="{57AFC765-9596-47B3-BA43-92AF81B90D33}" type="slidenum">
+            <a:fld id="{829E0766-E99F-4AB1-9D2D-DE9FBE7617AD}" type="slidenum">
               <a:rPr lang="zh-CN" altLang="en-US" smtClean="0"/>
               <a:t>‹#›</a:t>
             </a:fld>
@@ -515,7 +515,7 @@
     </p:spTree>
     <p:extLst>
       <p:ext uri="{BB962C8B-B14F-4D97-AF65-F5344CB8AC3E}">
-        <p14:creationId xmlns:p14="http://schemas.microsoft.com/office/powerpoint/2010/main" val="1297800161"/>
+        <p14:creationId xmlns:p14="http://schemas.microsoft.com/office/powerpoint/2010/main" val="2372818118"/>
       </p:ext>
     </p:extLst>
   </p:cSld>
@@ -547,7 +547,7 @@
           <p:cNvPr id="2" name="竖排标题 1">
             <a:extLst>
               <a:ext uri="{FF2B5EF4-FFF2-40B4-BE49-F238E27FC236}">
-                <a16:creationId xmlns:a16="http://schemas.microsoft.com/office/drawing/2014/main" id="{01F9156B-0D10-7068-E58A-64E24F0C60CC}"/>
+                <a16:creationId xmlns:a16="http://schemas.microsoft.com/office/drawing/2014/main" id="{6E764DA2-4E9D-63C7-955B-12C04027D34C}"/>
               </a:ext>
             </a:extLst>
           </p:cNvPr>
@@ -580,7 +580,7 @@
           <p:cNvPr id="3" name="竖排文字占位符 2">
             <a:extLst>
               <a:ext uri="{FF2B5EF4-FFF2-40B4-BE49-F238E27FC236}">
-                <a16:creationId xmlns:a16="http://schemas.microsoft.com/office/drawing/2014/main" id="{A45F3875-1887-C1A8-9234-6C47E4A6FA50}"/>
+                <a16:creationId xmlns:a16="http://schemas.microsoft.com/office/drawing/2014/main" id="{33A8D78D-F5CD-D144-6117-1EFDFB4B459F}"/>
               </a:ext>
             </a:extLst>
           </p:cNvPr>
@@ -642,7 +642,7 @@
           <p:cNvPr id="4" name="日期占位符 3">
             <a:extLst>
               <a:ext uri="{FF2B5EF4-FFF2-40B4-BE49-F238E27FC236}">
-                <a16:creationId xmlns:a16="http://schemas.microsoft.com/office/drawing/2014/main" id="{8726FB88-1D4D-D54A-A376-671D7C443121}"/>
+                <a16:creationId xmlns:a16="http://schemas.microsoft.com/office/drawing/2014/main" id="{5B77B114-DD6D-7DE7-0B2D-C353A6D439A9}"/>
               </a:ext>
             </a:extLst>
           </p:cNvPr>
@@ -658,7 +658,7 @@
           <a:bodyPr/>
           <a:lstStyle/>
           <a:p>
-            <a:fld id="{5269C7B9-CD81-44B8-BBED-32535DFC7059}" type="datetimeFigureOut">
+            <a:fld id="{3139CDDD-6DCD-474E-82F6-523633740C46}" type="datetimeFigureOut">
               <a:rPr lang="zh-CN" altLang="en-US" smtClean="0"/>
               <a:t>2024/3/10</a:t>
             </a:fld>
@@ -671,7 +671,7 @@
           <p:cNvPr id="5" name="页脚占位符 4">
             <a:extLst>
               <a:ext uri="{FF2B5EF4-FFF2-40B4-BE49-F238E27FC236}">
-                <a16:creationId xmlns:a16="http://schemas.microsoft.com/office/drawing/2014/main" id="{24BA5412-4973-D150-0A63-7F1A12722A5D}"/>
+                <a16:creationId xmlns:a16="http://schemas.microsoft.com/office/drawing/2014/main" id="{27C84C39-9BA5-D2BD-31A4-DE2B75B5A30F}"/>
               </a:ext>
             </a:extLst>
           </p:cNvPr>
@@ -696,7 +696,7 @@
           <p:cNvPr id="6" name="灯片编号占位符 5">
             <a:extLst>
               <a:ext uri="{FF2B5EF4-FFF2-40B4-BE49-F238E27FC236}">
-                <a16:creationId xmlns:a16="http://schemas.microsoft.com/office/drawing/2014/main" id="{B906BD5E-9C0E-17DC-0173-AB2E5AFED2FA}"/>
+                <a16:creationId xmlns:a16="http://schemas.microsoft.com/office/drawing/2014/main" id="{0DE88FE3-B852-EE75-D3F8-58E8468447EA}"/>
               </a:ext>
             </a:extLst>
           </p:cNvPr>
@@ -712,7 +712,7 @@
           <a:bodyPr/>
           <a:lstStyle/>
           <a:p>
-            <a:fld id="{57AFC765-9596-47B3-BA43-92AF81B90D33}" type="slidenum">
+            <a:fld id="{829E0766-E99F-4AB1-9D2D-DE9FBE7617AD}" type="slidenum">
               <a:rPr lang="zh-CN" altLang="en-US" smtClean="0"/>
               <a:t>‹#›</a:t>
             </a:fld>
@@ -723,7 +723,7 @@
     </p:spTree>
     <p:extLst>
       <p:ext uri="{BB962C8B-B14F-4D97-AF65-F5344CB8AC3E}">
-        <p14:creationId xmlns:p14="http://schemas.microsoft.com/office/powerpoint/2010/main" val="3369181"/>
+        <p14:creationId xmlns:p14="http://schemas.microsoft.com/office/powerpoint/2010/main" val="1755422960"/>
       </p:ext>
     </p:extLst>
   </p:cSld>
@@ -755,7 +755,7 @@
           <p:cNvPr id="2" name="标题 1">
             <a:extLst>
               <a:ext uri="{FF2B5EF4-FFF2-40B4-BE49-F238E27FC236}">
-                <a16:creationId xmlns:a16="http://schemas.microsoft.com/office/drawing/2014/main" id="{6604E1AC-BD53-F179-479E-F939BB0F74AC}"/>
+                <a16:creationId xmlns:a16="http://schemas.microsoft.com/office/drawing/2014/main" id="{C51BAF35-5A0B-550B-4C11-934DBCC95ACE}"/>
               </a:ext>
             </a:extLst>
           </p:cNvPr>
@@ -783,7 +783,7 @@
           <p:cNvPr id="3" name="内容占位符 2">
             <a:extLst>
               <a:ext uri="{FF2B5EF4-FFF2-40B4-BE49-F238E27FC236}">
-                <a16:creationId xmlns:a16="http://schemas.microsoft.com/office/drawing/2014/main" id="{A9AE91B5-9C25-9E61-4948-DF59D23D944E}"/>
+                <a16:creationId xmlns:a16="http://schemas.microsoft.com/office/drawing/2014/main" id="{6F87F69B-E7D5-DD4D-3FEC-372512089D97}"/>
               </a:ext>
             </a:extLst>
           </p:cNvPr>
@@ -840,7 +840,7 @@
           <p:cNvPr id="4" name="日期占位符 3">
             <a:extLst>
               <a:ext uri="{FF2B5EF4-FFF2-40B4-BE49-F238E27FC236}">
-                <a16:creationId xmlns:a16="http://schemas.microsoft.com/office/drawing/2014/main" id="{6CB532F5-0105-FB63-5261-35EC5D1C59A2}"/>
+                <a16:creationId xmlns:a16="http://schemas.microsoft.com/office/drawing/2014/main" id="{A56ED4DF-58E4-4356-AC69-3E6344593AE5}"/>
               </a:ext>
             </a:extLst>
           </p:cNvPr>
@@ -856,7 +856,7 @@
           <a:bodyPr/>
           <a:lstStyle/>
           <a:p>
-            <a:fld id="{5269C7B9-CD81-44B8-BBED-32535DFC7059}" type="datetimeFigureOut">
+            <a:fld id="{3139CDDD-6DCD-474E-82F6-523633740C46}" type="datetimeFigureOut">
               <a:rPr lang="zh-CN" altLang="en-US" smtClean="0"/>
               <a:t>2024/3/10</a:t>
             </a:fld>
@@ -869,7 +869,7 @@
           <p:cNvPr id="5" name="页脚占位符 4">
             <a:extLst>
               <a:ext uri="{FF2B5EF4-FFF2-40B4-BE49-F238E27FC236}">
-                <a16:creationId xmlns:a16="http://schemas.microsoft.com/office/drawing/2014/main" id="{908E0254-FEBC-7ED6-B796-6ABBAAF39CDD}"/>
+                <a16:creationId xmlns:a16="http://schemas.microsoft.com/office/drawing/2014/main" id="{FB008A36-4894-3F4B-0F26-14A90179231A}"/>
               </a:ext>
             </a:extLst>
           </p:cNvPr>
@@ -894,7 +894,7 @@
           <p:cNvPr id="6" name="灯片编号占位符 5">
             <a:extLst>
               <a:ext uri="{FF2B5EF4-FFF2-40B4-BE49-F238E27FC236}">
-                <a16:creationId xmlns:a16="http://schemas.microsoft.com/office/drawing/2014/main" id="{09A5ED13-1BCE-F1AC-329A-2286D1AAC246}"/>
+                <a16:creationId xmlns:a16="http://schemas.microsoft.com/office/drawing/2014/main" id="{AC43FAAE-9923-53DD-D83F-C85CD0231F73}"/>
               </a:ext>
             </a:extLst>
           </p:cNvPr>
@@ -910,7 +910,7 @@
           <a:bodyPr/>
           <a:lstStyle/>
           <a:p>
-            <a:fld id="{57AFC765-9596-47B3-BA43-92AF81B90D33}" type="slidenum">
+            <a:fld id="{829E0766-E99F-4AB1-9D2D-DE9FBE7617AD}" type="slidenum">
               <a:rPr lang="zh-CN" altLang="en-US" smtClean="0"/>
               <a:t>‹#›</a:t>
             </a:fld>
@@ -921,7 +921,7 @@
     </p:spTree>
     <p:extLst>
       <p:ext uri="{BB962C8B-B14F-4D97-AF65-F5344CB8AC3E}">
-        <p14:creationId xmlns:p14="http://schemas.microsoft.com/office/powerpoint/2010/main" val="4273072301"/>
+        <p14:creationId xmlns:p14="http://schemas.microsoft.com/office/powerpoint/2010/main" val="2263599568"/>
       </p:ext>
     </p:extLst>
   </p:cSld>
@@ -953,7 +953,7 @@
           <p:cNvPr id="2" name="标题 1">
             <a:extLst>
               <a:ext uri="{FF2B5EF4-FFF2-40B4-BE49-F238E27FC236}">
-                <a16:creationId xmlns:a16="http://schemas.microsoft.com/office/drawing/2014/main" id="{7DD3698D-0D00-3F67-9325-51DA847CBB3B}"/>
+                <a16:creationId xmlns:a16="http://schemas.microsoft.com/office/drawing/2014/main" id="{C4B20728-1EEE-133E-8079-70A8D0264871}"/>
               </a:ext>
             </a:extLst>
           </p:cNvPr>
@@ -990,7 +990,7 @@
           <p:cNvPr id="3" name="文本占位符 2">
             <a:extLst>
               <a:ext uri="{FF2B5EF4-FFF2-40B4-BE49-F238E27FC236}">
-                <a16:creationId xmlns:a16="http://schemas.microsoft.com/office/drawing/2014/main" id="{2002E858-B620-5D74-638E-CDF6E2121771}"/>
+                <a16:creationId xmlns:a16="http://schemas.microsoft.com/office/drawing/2014/main" id="{B7143C3F-DF79-DC42-7ECE-E0E723EC5EE3}"/>
               </a:ext>
             </a:extLst>
           </p:cNvPr>
@@ -1115,7 +1115,7 @@
           <p:cNvPr id="4" name="日期占位符 3">
             <a:extLst>
               <a:ext uri="{FF2B5EF4-FFF2-40B4-BE49-F238E27FC236}">
-                <a16:creationId xmlns:a16="http://schemas.microsoft.com/office/drawing/2014/main" id="{87E24ABF-44CB-ED13-C068-A9B50DFE0C85}"/>
+                <a16:creationId xmlns:a16="http://schemas.microsoft.com/office/drawing/2014/main" id="{9BA9F6CF-6280-E640-6B33-942A47ECEBE1}"/>
               </a:ext>
             </a:extLst>
           </p:cNvPr>
@@ -1131,7 +1131,7 @@
           <a:bodyPr/>
           <a:lstStyle/>
           <a:p>
-            <a:fld id="{5269C7B9-CD81-44B8-BBED-32535DFC7059}" type="datetimeFigureOut">
+            <a:fld id="{3139CDDD-6DCD-474E-82F6-523633740C46}" type="datetimeFigureOut">
               <a:rPr lang="zh-CN" altLang="en-US" smtClean="0"/>
               <a:t>2024/3/10</a:t>
             </a:fld>
@@ -1144,7 +1144,7 @@
           <p:cNvPr id="5" name="页脚占位符 4">
             <a:extLst>
               <a:ext uri="{FF2B5EF4-FFF2-40B4-BE49-F238E27FC236}">
-                <a16:creationId xmlns:a16="http://schemas.microsoft.com/office/drawing/2014/main" id="{C6D8A117-1484-2430-BB81-F8B4D765C39A}"/>
+                <a16:creationId xmlns:a16="http://schemas.microsoft.com/office/drawing/2014/main" id="{3709CFE9-810F-E947-1640-29F6B3532378}"/>
               </a:ext>
             </a:extLst>
           </p:cNvPr>
@@ -1169,7 +1169,7 @@
           <p:cNvPr id="6" name="灯片编号占位符 5">
             <a:extLst>
               <a:ext uri="{FF2B5EF4-FFF2-40B4-BE49-F238E27FC236}">
-                <a16:creationId xmlns:a16="http://schemas.microsoft.com/office/drawing/2014/main" id="{D762808B-444E-EC2F-C6C3-BF368B3CCA39}"/>
+                <a16:creationId xmlns:a16="http://schemas.microsoft.com/office/drawing/2014/main" id="{D8B33C3B-2C74-964A-15F2-15107D748D21}"/>
               </a:ext>
             </a:extLst>
           </p:cNvPr>
@@ -1185,7 +1185,7 @@
           <a:bodyPr/>
           <a:lstStyle/>
           <a:p>
-            <a:fld id="{57AFC765-9596-47B3-BA43-92AF81B90D33}" type="slidenum">
+            <a:fld id="{829E0766-E99F-4AB1-9D2D-DE9FBE7617AD}" type="slidenum">
               <a:rPr lang="zh-CN" altLang="en-US" smtClean="0"/>
               <a:t>‹#›</a:t>
             </a:fld>
@@ -1196,7 +1196,7 @@
     </p:spTree>
     <p:extLst>
       <p:ext uri="{BB962C8B-B14F-4D97-AF65-F5344CB8AC3E}">
-        <p14:creationId xmlns:p14="http://schemas.microsoft.com/office/powerpoint/2010/main" val="850398530"/>
+        <p14:creationId xmlns:p14="http://schemas.microsoft.com/office/powerpoint/2010/main" val="510865290"/>
       </p:ext>
     </p:extLst>
   </p:cSld>
@@ -1228,7 +1228,7 @@
           <p:cNvPr id="2" name="标题 1">
             <a:extLst>
               <a:ext uri="{FF2B5EF4-FFF2-40B4-BE49-F238E27FC236}">
-                <a16:creationId xmlns:a16="http://schemas.microsoft.com/office/drawing/2014/main" id="{B832C65C-D81B-9000-CD6F-F5D57D1FEFCE}"/>
+                <a16:creationId xmlns:a16="http://schemas.microsoft.com/office/drawing/2014/main" id="{3201D5A4-BC96-43DF-8711-03991CD386DA}"/>
               </a:ext>
             </a:extLst>
           </p:cNvPr>
@@ -1256,7 +1256,7 @@
           <p:cNvPr id="3" name="内容占位符 2">
             <a:extLst>
               <a:ext uri="{FF2B5EF4-FFF2-40B4-BE49-F238E27FC236}">
-                <a16:creationId xmlns:a16="http://schemas.microsoft.com/office/drawing/2014/main" id="{349DCE3B-6D51-E241-9E98-D1FB3F2FA3BB}"/>
+                <a16:creationId xmlns:a16="http://schemas.microsoft.com/office/drawing/2014/main" id="{0EC0C8BF-AC68-1331-9CBB-C74FE97AFA3C}"/>
               </a:ext>
             </a:extLst>
           </p:cNvPr>
@@ -1318,7 +1318,7 @@
           <p:cNvPr id="4" name="内容占位符 3">
             <a:extLst>
               <a:ext uri="{FF2B5EF4-FFF2-40B4-BE49-F238E27FC236}">
-                <a16:creationId xmlns:a16="http://schemas.microsoft.com/office/drawing/2014/main" id="{9BC92EDE-45EA-8A8A-5F8E-FAD884BFE854}"/>
+                <a16:creationId xmlns:a16="http://schemas.microsoft.com/office/drawing/2014/main" id="{6597826E-39D4-9D5B-C99D-3491EFF97A43}"/>
               </a:ext>
             </a:extLst>
           </p:cNvPr>
@@ -1380,7 +1380,7 @@
           <p:cNvPr id="5" name="日期占位符 4">
             <a:extLst>
               <a:ext uri="{FF2B5EF4-FFF2-40B4-BE49-F238E27FC236}">
-                <a16:creationId xmlns:a16="http://schemas.microsoft.com/office/drawing/2014/main" id="{F76FEBD5-16AC-7AD6-24DC-23AE50E8ED3B}"/>
+                <a16:creationId xmlns:a16="http://schemas.microsoft.com/office/drawing/2014/main" id="{90972FC9-EBAB-833F-C196-ADFE94ACA70F}"/>
               </a:ext>
             </a:extLst>
           </p:cNvPr>
@@ -1396,7 +1396,7 @@
           <a:bodyPr/>
           <a:lstStyle/>
           <a:p>
-            <a:fld id="{5269C7B9-CD81-44B8-BBED-32535DFC7059}" type="datetimeFigureOut">
+            <a:fld id="{3139CDDD-6DCD-474E-82F6-523633740C46}" type="datetimeFigureOut">
               <a:rPr lang="zh-CN" altLang="en-US" smtClean="0"/>
               <a:t>2024/3/10</a:t>
             </a:fld>
@@ -1409,7 +1409,7 @@
           <p:cNvPr id="6" name="页脚占位符 5">
             <a:extLst>
               <a:ext uri="{FF2B5EF4-FFF2-40B4-BE49-F238E27FC236}">
-                <a16:creationId xmlns:a16="http://schemas.microsoft.com/office/drawing/2014/main" id="{42C36308-56E5-515D-6B3D-51A7D3958A89}"/>
+                <a16:creationId xmlns:a16="http://schemas.microsoft.com/office/drawing/2014/main" id="{42B42F9E-F331-AAF5-868E-D0CD27A76745}"/>
               </a:ext>
             </a:extLst>
           </p:cNvPr>
@@ -1434,7 +1434,7 @@
           <p:cNvPr id="7" name="灯片编号占位符 6">
             <a:extLst>
               <a:ext uri="{FF2B5EF4-FFF2-40B4-BE49-F238E27FC236}">
-                <a16:creationId xmlns:a16="http://schemas.microsoft.com/office/drawing/2014/main" id="{6A0E5A28-F843-909B-296C-C2D8A1BEABCD}"/>
+                <a16:creationId xmlns:a16="http://schemas.microsoft.com/office/drawing/2014/main" id="{862D84A6-066B-0E68-11CB-842BB3FE86A9}"/>
               </a:ext>
             </a:extLst>
           </p:cNvPr>
@@ -1450,7 +1450,7 @@
           <a:bodyPr/>
           <a:lstStyle/>
           <a:p>
-            <a:fld id="{57AFC765-9596-47B3-BA43-92AF81B90D33}" type="slidenum">
+            <a:fld id="{829E0766-E99F-4AB1-9D2D-DE9FBE7617AD}" type="slidenum">
               <a:rPr lang="zh-CN" altLang="en-US" smtClean="0"/>
               <a:t>‹#›</a:t>
             </a:fld>
@@ -1461,7 +1461,7 @@
     </p:spTree>
     <p:extLst>
       <p:ext uri="{BB962C8B-B14F-4D97-AF65-F5344CB8AC3E}">
-        <p14:creationId xmlns:p14="http://schemas.microsoft.com/office/powerpoint/2010/main" val="1554507091"/>
+        <p14:creationId xmlns:p14="http://schemas.microsoft.com/office/powerpoint/2010/main" val="2329510764"/>
       </p:ext>
     </p:extLst>
   </p:cSld>
@@ -1493,7 +1493,7 @@
           <p:cNvPr id="2" name="标题 1">
             <a:extLst>
               <a:ext uri="{FF2B5EF4-FFF2-40B4-BE49-F238E27FC236}">
-                <a16:creationId xmlns:a16="http://schemas.microsoft.com/office/drawing/2014/main" id="{6334FAAA-9A51-9C71-AE4A-ED5EE73A25C7}"/>
+                <a16:creationId xmlns:a16="http://schemas.microsoft.com/office/drawing/2014/main" id="{44125C34-1A55-3FBA-8E5B-6698FBBDFDDA}"/>
               </a:ext>
             </a:extLst>
           </p:cNvPr>
@@ -1526,7 +1526,7 @@
           <p:cNvPr id="3" name="文本占位符 2">
             <a:extLst>
               <a:ext uri="{FF2B5EF4-FFF2-40B4-BE49-F238E27FC236}">
-                <a16:creationId xmlns:a16="http://schemas.microsoft.com/office/drawing/2014/main" id="{76A9106B-51E5-6737-90CD-7ACEE2A4CCD9}"/>
+                <a16:creationId xmlns:a16="http://schemas.microsoft.com/office/drawing/2014/main" id="{C65CD8A4-AB69-543B-A24B-5FD1EAEE6EDA}"/>
               </a:ext>
             </a:extLst>
           </p:cNvPr>
@@ -1597,7 +1597,7 @@
           <p:cNvPr id="4" name="内容占位符 3">
             <a:extLst>
               <a:ext uri="{FF2B5EF4-FFF2-40B4-BE49-F238E27FC236}">
-                <a16:creationId xmlns:a16="http://schemas.microsoft.com/office/drawing/2014/main" id="{00FCC8C7-3912-808A-F5C3-1CEDAED6AE62}"/>
+                <a16:creationId xmlns:a16="http://schemas.microsoft.com/office/drawing/2014/main" id="{7C69913B-E1A4-AD83-54C9-ACF7595619A2}"/>
               </a:ext>
             </a:extLst>
           </p:cNvPr>
@@ -1659,7 +1659,7 @@
           <p:cNvPr id="5" name="文本占位符 4">
             <a:extLst>
               <a:ext uri="{FF2B5EF4-FFF2-40B4-BE49-F238E27FC236}">
-                <a16:creationId xmlns:a16="http://schemas.microsoft.com/office/drawing/2014/main" id="{E361D348-FCD0-4FFC-631A-7D85D3144FB0}"/>
+                <a16:creationId xmlns:a16="http://schemas.microsoft.com/office/drawing/2014/main" id="{6FB89FA8-D175-A3D5-1D74-A8C106495846}"/>
               </a:ext>
             </a:extLst>
           </p:cNvPr>
@@ -1730,7 +1730,7 @@
           <p:cNvPr id="6" name="内容占位符 5">
             <a:extLst>
               <a:ext uri="{FF2B5EF4-FFF2-40B4-BE49-F238E27FC236}">
-                <a16:creationId xmlns:a16="http://schemas.microsoft.com/office/drawing/2014/main" id="{D71E047D-CFEF-BFDB-DCCB-62FC50628315}"/>
+                <a16:creationId xmlns:a16="http://schemas.microsoft.com/office/drawing/2014/main" id="{611D2A11-9BA4-AB29-92C8-E6F7251CE430}"/>
               </a:ext>
             </a:extLst>
           </p:cNvPr>
@@ -1792,7 +1792,7 @@
           <p:cNvPr id="7" name="日期占位符 6">
             <a:extLst>
               <a:ext uri="{FF2B5EF4-FFF2-40B4-BE49-F238E27FC236}">
-                <a16:creationId xmlns:a16="http://schemas.microsoft.com/office/drawing/2014/main" id="{6C1E9F67-631C-D0EE-6E2A-BB0693E04077}"/>
+                <a16:creationId xmlns:a16="http://schemas.microsoft.com/office/drawing/2014/main" id="{5334EA4D-D700-8C48-39B4-8FBA2343155A}"/>
               </a:ext>
             </a:extLst>
           </p:cNvPr>
@@ -1808,7 +1808,7 @@
           <a:bodyPr/>
           <a:lstStyle/>
           <a:p>
-            <a:fld id="{5269C7B9-CD81-44B8-BBED-32535DFC7059}" type="datetimeFigureOut">
+            <a:fld id="{3139CDDD-6DCD-474E-82F6-523633740C46}" type="datetimeFigureOut">
               <a:rPr lang="zh-CN" altLang="en-US" smtClean="0"/>
               <a:t>2024/3/10</a:t>
             </a:fld>
@@ -1821,7 +1821,7 @@
           <p:cNvPr id="8" name="页脚占位符 7">
             <a:extLst>
               <a:ext uri="{FF2B5EF4-FFF2-40B4-BE49-F238E27FC236}">
-                <a16:creationId xmlns:a16="http://schemas.microsoft.com/office/drawing/2014/main" id="{BACEC16F-AB2E-583C-1EAC-38EB454F4D05}"/>
+                <a16:creationId xmlns:a16="http://schemas.microsoft.com/office/drawing/2014/main" id="{D0CC9BA9-110D-2818-9D3F-40F52CF78F83}"/>
               </a:ext>
             </a:extLst>
           </p:cNvPr>
@@ -1846,7 +1846,7 @@
           <p:cNvPr id="9" name="灯片编号占位符 8">
             <a:extLst>
               <a:ext uri="{FF2B5EF4-FFF2-40B4-BE49-F238E27FC236}">
-                <a16:creationId xmlns:a16="http://schemas.microsoft.com/office/drawing/2014/main" id="{24D2E81D-B3D4-8051-8D31-87B2D89418D4}"/>
+                <a16:creationId xmlns:a16="http://schemas.microsoft.com/office/drawing/2014/main" id="{A004AD65-A789-36B6-1513-67E620D5875F}"/>
               </a:ext>
             </a:extLst>
           </p:cNvPr>
@@ -1862,7 +1862,7 @@
           <a:bodyPr/>
           <a:lstStyle/>
           <a:p>
-            <a:fld id="{57AFC765-9596-47B3-BA43-92AF81B90D33}" type="slidenum">
+            <a:fld id="{829E0766-E99F-4AB1-9D2D-DE9FBE7617AD}" type="slidenum">
               <a:rPr lang="zh-CN" altLang="en-US" smtClean="0"/>
               <a:t>‹#›</a:t>
             </a:fld>
@@ -1873,7 +1873,7 @@
     </p:spTree>
     <p:extLst>
       <p:ext uri="{BB962C8B-B14F-4D97-AF65-F5344CB8AC3E}">
-        <p14:creationId xmlns:p14="http://schemas.microsoft.com/office/powerpoint/2010/main" val="2184296388"/>
+        <p14:creationId xmlns:p14="http://schemas.microsoft.com/office/powerpoint/2010/main" val="105655735"/>
       </p:ext>
     </p:extLst>
   </p:cSld>
@@ -1905,7 +1905,7 @@
           <p:cNvPr id="2" name="标题 1">
             <a:extLst>
               <a:ext uri="{FF2B5EF4-FFF2-40B4-BE49-F238E27FC236}">
-                <a16:creationId xmlns:a16="http://schemas.microsoft.com/office/drawing/2014/main" id="{BC47701D-4CFD-C6F0-0711-2F37028C1B8E}"/>
+                <a16:creationId xmlns:a16="http://schemas.microsoft.com/office/drawing/2014/main" id="{E5778867-EF48-1A26-00CB-5612674BED40}"/>
               </a:ext>
             </a:extLst>
           </p:cNvPr>
@@ -1933,7 +1933,7 @@
           <p:cNvPr id="3" name="日期占位符 2">
             <a:extLst>
               <a:ext uri="{FF2B5EF4-FFF2-40B4-BE49-F238E27FC236}">
-                <a16:creationId xmlns:a16="http://schemas.microsoft.com/office/drawing/2014/main" id="{C58B2946-52CD-5556-E027-75C35EB9B252}"/>
+                <a16:creationId xmlns:a16="http://schemas.microsoft.com/office/drawing/2014/main" id="{83AE153D-5A6F-38A3-0B4A-629F4F237B88}"/>
               </a:ext>
             </a:extLst>
           </p:cNvPr>
@@ -1949,7 +1949,7 @@
           <a:bodyPr/>
           <a:lstStyle/>
           <a:p>
-            <a:fld id="{5269C7B9-CD81-44B8-BBED-32535DFC7059}" type="datetimeFigureOut">
+            <a:fld id="{3139CDDD-6DCD-474E-82F6-523633740C46}" type="datetimeFigureOut">
               <a:rPr lang="zh-CN" altLang="en-US" smtClean="0"/>
               <a:t>2024/3/10</a:t>
             </a:fld>
@@ -1962,7 +1962,7 @@
           <p:cNvPr id="4" name="页脚占位符 3">
             <a:extLst>
               <a:ext uri="{FF2B5EF4-FFF2-40B4-BE49-F238E27FC236}">
-                <a16:creationId xmlns:a16="http://schemas.microsoft.com/office/drawing/2014/main" id="{2C30B950-844A-2C7F-8F56-D1B35C84CEE0}"/>
+                <a16:creationId xmlns:a16="http://schemas.microsoft.com/office/drawing/2014/main" id="{A1C57FE6-3276-0BE0-B5E9-3FD4486FDC0E}"/>
               </a:ext>
             </a:extLst>
           </p:cNvPr>
@@ -1987,7 +1987,7 @@
           <p:cNvPr id="5" name="灯片编号占位符 4">
             <a:extLst>
               <a:ext uri="{FF2B5EF4-FFF2-40B4-BE49-F238E27FC236}">
-                <a16:creationId xmlns:a16="http://schemas.microsoft.com/office/drawing/2014/main" id="{9B03A59E-9C8F-6B49-6415-4476BDE423EC}"/>
+                <a16:creationId xmlns:a16="http://schemas.microsoft.com/office/drawing/2014/main" id="{59D3DD76-9160-C36E-9F45-798BCC6C234D}"/>
               </a:ext>
             </a:extLst>
           </p:cNvPr>
@@ -2003,7 +2003,7 @@
           <a:bodyPr/>
           <a:lstStyle/>
           <a:p>
-            <a:fld id="{57AFC765-9596-47B3-BA43-92AF81B90D33}" type="slidenum">
+            <a:fld id="{829E0766-E99F-4AB1-9D2D-DE9FBE7617AD}" type="slidenum">
               <a:rPr lang="zh-CN" altLang="en-US" smtClean="0"/>
               <a:t>‹#›</a:t>
             </a:fld>
@@ -2014,7 +2014,7 @@
     </p:spTree>
     <p:extLst>
       <p:ext uri="{BB962C8B-B14F-4D97-AF65-F5344CB8AC3E}">
-        <p14:creationId xmlns:p14="http://schemas.microsoft.com/office/powerpoint/2010/main" val="1973333326"/>
+        <p14:creationId xmlns:p14="http://schemas.microsoft.com/office/powerpoint/2010/main" val="2950309580"/>
       </p:ext>
     </p:extLst>
   </p:cSld>
@@ -2046,7 +2046,7 @@
           <p:cNvPr id="2" name="日期占位符 1">
             <a:extLst>
               <a:ext uri="{FF2B5EF4-FFF2-40B4-BE49-F238E27FC236}">
-                <a16:creationId xmlns:a16="http://schemas.microsoft.com/office/drawing/2014/main" id="{65BE7976-D39C-79D3-BF0D-DE0A7329D9CC}"/>
+                <a16:creationId xmlns:a16="http://schemas.microsoft.com/office/drawing/2014/main" id="{9FD5CCD0-6CA5-1B88-816B-392769EAB7BA}"/>
               </a:ext>
             </a:extLst>
           </p:cNvPr>
@@ -2062,7 +2062,7 @@
           <a:bodyPr/>
           <a:lstStyle/>
           <a:p>
-            <a:fld id="{5269C7B9-CD81-44B8-BBED-32535DFC7059}" type="datetimeFigureOut">
+            <a:fld id="{3139CDDD-6DCD-474E-82F6-523633740C46}" type="datetimeFigureOut">
               <a:rPr lang="zh-CN" altLang="en-US" smtClean="0"/>
               <a:t>2024/3/10</a:t>
             </a:fld>
@@ -2075,7 +2075,7 @@
           <p:cNvPr id="3" name="页脚占位符 2">
             <a:extLst>
               <a:ext uri="{FF2B5EF4-FFF2-40B4-BE49-F238E27FC236}">
-                <a16:creationId xmlns:a16="http://schemas.microsoft.com/office/drawing/2014/main" id="{672D795A-CD80-FB0B-B970-AD696A29D60B}"/>
+                <a16:creationId xmlns:a16="http://schemas.microsoft.com/office/drawing/2014/main" id="{3BB549FB-7C1F-6B24-F999-02CABC1208EE}"/>
               </a:ext>
             </a:extLst>
           </p:cNvPr>
@@ -2100,7 +2100,7 @@
           <p:cNvPr id="4" name="灯片编号占位符 3">
             <a:extLst>
               <a:ext uri="{FF2B5EF4-FFF2-40B4-BE49-F238E27FC236}">
-                <a16:creationId xmlns:a16="http://schemas.microsoft.com/office/drawing/2014/main" id="{47804B91-227B-A7C6-353B-196E8E65B177}"/>
+                <a16:creationId xmlns:a16="http://schemas.microsoft.com/office/drawing/2014/main" id="{887F499A-1DF4-0046-1EFF-CE52E854B90E}"/>
               </a:ext>
             </a:extLst>
           </p:cNvPr>
@@ -2116,7 +2116,7 @@
           <a:bodyPr/>
           <a:lstStyle/>
           <a:p>
-            <a:fld id="{57AFC765-9596-47B3-BA43-92AF81B90D33}" type="slidenum">
+            <a:fld id="{829E0766-E99F-4AB1-9D2D-DE9FBE7617AD}" type="slidenum">
               <a:rPr lang="zh-CN" altLang="en-US" smtClean="0"/>
               <a:t>‹#›</a:t>
             </a:fld>
@@ -2127,7 +2127,7 @@
     </p:spTree>
     <p:extLst>
       <p:ext uri="{BB962C8B-B14F-4D97-AF65-F5344CB8AC3E}">
-        <p14:creationId xmlns:p14="http://schemas.microsoft.com/office/powerpoint/2010/main" val="240144175"/>
+        <p14:creationId xmlns:p14="http://schemas.microsoft.com/office/powerpoint/2010/main" val="3835217775"/>
       </p:ext>
     </p:extLst>
   </p:cSld>
@@ -2159,7 +2159,7 @@
           <p:cNvPr id="2" name="标题 1">
             <a:extLst>
               <a:ext uri="{FF2B5EF4-FFF2-40B4-BE49-F238E27FC236}">
-                <a16:creationId xmlns:a16="http://schemas.microsoft.com/office/drawing/2014/main" id="{96C732EA-F3B2-7301-FF15-FBF8C3DCE51F}"/>
+                <a16:creationId xmlns:a16="http://schemas.microsoft.com/office/drawing/2014/main" id="{065D2C08-0033-ABFF-FFCC-66E9C4634343}"/>
               </a:ext>
             </a:extLst>
           </p:cNvPr>
@@ -2196,7 +2196,7 @@
           <p:cNvPr id="3" name="内容占位符 2">
             <a:extLst>
               <a:ext uri="{FF2B5EF4-FFF2-40B4-BE49-F238E27FC236}">
-                <a16:creationId xmlns:a16="http://schemas.microsoft.com/office/drawing/2014/main" id="{ADCD602B-A6BD-A70A-5B7C-45816A274767}"/>
+                <a16:creationId xmlns:a16="http://schemas.microsoft.com/office/drawing/2014/main" id="{E651812E-9B7F-A692-220E-725ABEF894DA}"/>
               </a:ext>
             </a:extLst>
           </p:cNvPr>
@@ -2286,7 +2286,7 @@
           <p:cNvPr id="4" name="文本占位符 3">
             <a:extLst>
               <a:ext uri="{FF2B5EF4-FFF2-40B4-BE49-F238E27FC236}">
-                <a16:creationId xmlns:a16="http://schemas.microsoft.com/office/drawing/2014/main" id="{BF92412F-7766-C33D-082D-0E07716C43B8}"/>
+                <a16:creationId xmlns:a16="http://schemas.microsoft.com/office/drawing/2014/main" id="{00BBF439-05F8-EB13-EC64-56098DBAC424}"/>
               </a:ext>
             </a:extLst>
           </p:cNvPr>
@@ -2357,7 +2357,7 @@
           <p:cNvPr id="5" name="日期占位符 4">
             <a:extLst>
               <a:ext uri="{FF2B5EF4-FFF2-40B4-BE49-F238E27FC236}">
-                <a16:creationId xmlns:a16="http://schemas.microsoft.com/office/drawing/2014/main" id="{7384B25C-1CEB-13B5-A186-CC916B1C6174}"/>
+                <a16:creationId xmlns:a16="http://schemas.microsoft.com/office/drawing/2014/main" id="{C3D1725E-1E26-BD81-19E2-9443E184ABE0}"/>
               </a:ext>
             </a:extLst>
           </p:cNvPr>
@@ -2373,7 +2373,7 @@
           <a:bodyPr/>
           <a:lstStyle/>
           <a:p>
-            <a:fld id="{5269C7B9-CD81-44B8-BBED-32535DFC7059}" type="datetimeFigureOut">
+            <a:fld id="{3139CDDD-6DCD-474E-82F6-523633740C46}" type="datetimeFigureOut">
               <a:rPr lang="zh-CN" altLang="en-US" smtClean="0"/>
               <a:t>2024/3/10</a:t>
             </a:fld>
@@ -2386,7 +2386,7 @@
           <p:cNvPr id="6" name="页脚占位符 5">
             <a:extLst>
               <a:ext uri="{FF2B5EF4-FFF2-40B4-BE49-F238E27FC236}">
-                <a16:creationId xmlns:a16="http://schemas.microsoft.com/office/drawing/2014/main" id="{A70346E5-5DC1-588F-83FE-B40EF80926A6}"/>
+                <a16:creationId xmlns:a16="http://schemas.microsoft.com/office/drawing/2014/main" id="{103E86A7-6830-FA74-8666-34BECAF8F043}"/>
               </a:ext>
             </a:extLst>
           </p:cNvPr>
@@ -2411,7 +2411,7 @@
           <p:cNvPr id="7" name="灯片编号占位符 6">
             <a:extLst>
               <a:ext uri="{FF2B5EF4-FFF2-40B4-BE49-F238E27FC236}">
-                <a16:creationId xmlns:a16="http://schemas.microsoft.com/office/drawing/2014/main" id="{A88FB4A1-D4A1-5EC1-3D6C-15400F739887}"/>
+                <a16:creationId xmlns:a16="http://schemas.microsoft.com/office/drawing/2014/main" id="{10F1F05D-3228-39F0-5020-2398635C3578}"/>
               </a:ext>
             </a:extLst>
           </p:cNvPr>
@@ -2427,7 +2427,7 @@
           <a:bodyPr/>
           <a:lstStyle/>
           <a:p>
-            <a:fld id="{57AFC765-9596-47B3-BA43-92AF81B90D33}" type="slidenum">
+            <a:fld id="{829E0766-E99F-4AB1-9D2D-DE9FBE7617AD}" type="slidenum">
               <a:rPr lang="zh-CN" altLang="en-US" smtClean="0"/>
               <a:t>‹#›</a:t>
             </a:fld>
@@ -2438,7 +2438,7 @@
     </p:spTree>
     <p:extLst>
       <p:ext uri="{BB962C8B-B14F-4D97-AF65-F5344CB8AC3E}">
-        <p14:creationId xmlns:p14="http://schemas.microsoft.com/office/powerpoint/2010/main" val="1514460388"/>
+        <p14:creationId xmlns:p14="http://schemas.microsoft.com/office/powerpoint/2010/main" val="3669585297"/>
       </p:ext>
     </p:extLst>
   </p:cSld>
@@ -2470,7 +2470,7 @@
           <p:cNvPr id="2" name="标题 1">
             <a:extLst>
               <a:ext uri="{FF2B5EF4-FFF2-40B4-BE49-F238E27FC236}">
-                <a16:creationId xmlns:a16="http://schemas.microsoft.com/office/drawing/2014/main" id="{2FF0453A-1FA1-7CCC-89B4-F7623A8DB5DA}"/>
+                <a16:creationId xmlns:a16="http://schemas.microsoft.com/office/drawing/2014/main" id="{99B74FD9-A3BE-1FA0-5E43-AF0669F5FAE6}"/>
               </a:ext>
             </a:extLst>
           </p:cNvPr>
@@ -2507,7 +2507,7 @@
           <p:cNvPr id="3" name="图片占位符 2">
             <a:extLst>
               <a:ext uri="{FF2B5EF4-FFF2-40B4-BE49-F238E27FC236}">
-                <a16:creationId xmlns:a16="http://schemas.microsoft.com/office/drawing/2014/main" id="{FC57CCBC-2A7E-3D65-3AD4-AD48B63F3B4E}"/>
+                <a16:creationId xmlns:a16="http://schemas.microsoft.com/office/drawing/2014/main" id="{0FF3ED30-98CC-6B4B-E732-38351999EADA}"/>
               </a:ext>
             </a:extLst>
           </p:cNvPr>
@@ -2574,7 +2574,7 @@
           <p:cNvPr id="4" name="文本占位符 3">
             <a:extLst>
               <a:ext uri="{FF2B5EF4-FFF2-40B4-BE49-F238E27FC236}">
-                <a16:creationId xmlns:a16="http://schemas.microsoft.com/office/drawing/2014/main" id="{8D4A2EC3-9DBA-B69D-AF13-9FD0301FE4BB}"/>
+                <a16:creationId xmlns:a16="http://schemas.microsoft.com/office/drawing/2014/main" id="{145F5001-A5E7-7E29-47EA-D381CE2298F6}"/>
               </a:ext>
             </a:extLst>
           </p:cNvPr>
@@ -2645,7 +2645,7 @@
           <p:cNvPr id="5" name="日期占位符 4">
             <a:extLst>
               <a:ext uri="{FF2B5EF4-FFF2-40B4-BE49-F238E27FC236}">
-                <a16:creationId xmlns:a16="http://schemas.microsoft.com/office/drawing/2014/main" id="{5497AF58-DCE9-52E4-22C0-551D133887F1}"/>
+                <a16:creationId xmlns:a16="http://schemas.microsoft.com/office/drawing/2014/main" id="{1300F102-89D2-A68E-C6F5-4C1111EB3B5C}"/>
               </a:ext>
             </a:extLst>
           </p:cNvPr>
@@ -2661,7 +2661,7 @@
           <a:bodyPr/>
           <a:lstStyle/>
           <a:p>
-            <a:fld id="{5269C7B9-CD81-44B8-BBED-32535DFC7059}" type="datetimeFigureOut">
+            <a:fld id="{3139CDDD-6DCD-474E-82F6-523633740C46}" type="datetimeFigureOut">
               <a:rPr lang="zh-CN" altLang="en-US" smtClean="0"/>
               <a:t>2024/3/10</a:t>
             </a:fld>
@@ -2674,7 +2674,7 @@
           <p:cNvPr id="6" name="页脚占位符 5">
             <a:extLst>
               <a:ext uri="{FF2B5EF4-FFF2-40B4-BE49-F238E27FC236}">
-                <a16:creationId xmlns:a16="http://schemas.microsoft.com/office/drawing/2014/main" id="{0289BB88-75D5-62D0-0330-637EC2F694C9}"/>
+                <a16:creationId xmlns:a16="http://schemas.microsoft.com/office/drawing/2014/main" id="{A0396510-68A3-DC5C-2EB0-CD1695E5906B}"/>
               </a:ext>
             </a:extLst>
           </p:cNvPr>
@@ -2699,7 +2699,7 @@
           <p:cNvPr id="7" name="灯片编号占位符 6">
             <a:extLst>
               <a:ext uri="{FF2B5EF4-FFF2-40B4-BE49-F238E27FC236}">
-                <a16:creationId xmlns:a16="http://schemas.microsoft.com/office/drawing/2014/main" id="{C610116C-67F5-45E3-4A18-EBFC4C9B10E8}"/>
+                <a16:creationId xmlns:a16="http://schemas.microsoft.com/office/drawing/2014/main" id="{8E4CEA50-0F78-626B-8188-359D721AC632}"/>
               </a:ext>
             </a:extLst>
           </p:cNvPr>
@@ -2715,7 +2715,7 @@
           <a:bodyPr/>
           <a:lstStyle/>
           <a:p>
-            <a:fld id="{57AFC765-9596-47B3-BA43-92AF81B90D33}" type="slidenum">
+            <a:fld id="{829E0766-E99F-4AB1-9D2D-DE9FBE7617AD}" type="slidenum">
               <a:rPr lang="zh-CN" altLang="en-US" smtClean="0"/>
               <a:t>‹#›</a:t>
             </a:fld>
@@ -2726,7 +2726,7 @@
     </p:spTree>
     <p:extLst>
       <p:ext uri="{BB962C8B-B14F-4D97-AF65-F5344CB8AC3E}">
-        <p14:creationId xmlns:p14="http://schemas.microsoft.com/office/powerpoint/2010/main" val="215811105"/>
+        <p14:creationId xmlns:p14="http://schemas.microsoft.com/office/powerpoint/2010/main" val="1212448930"/>
       </p:ext>
     </p:extLst>
   </p:cSld>
@@ -2763,7 +2763,7 @@
           <p:cNvPr id="2" name="标题占位符 1">
             <a:extLst>
               <a:ext uri="{FF2B5EF4-FFF2-40B4-BE49-F238E27FC236}">
-                <a16:creationId xmlns:a16="http://schemas.microsoft.com/office/drawing/2014/main" id="{5AC6842E-BD3C-0956-83B6-5E2EEEDCA980}"/>
+                <a16:creationId xmlns:a16="http://schemas.microsoft.com/office/drawing/2014/main" id="{A79CED57-3956-7014-234D-CF50E29434D9}"/>
               </a:ext>
             </a:extLst>
           </p:cNvPr>
@@ -2801,7 +2801,7 @@
           <p:cNvPr id="3" name="文本占位符 2">
             <a:extLst>
               <a:ext uri="{FF2B5EF4-FFF2-40B4-BE49-F238E27FC236}">
-                <a16:creationId xmlns:a16="http://schemas.microsoft.com/office/drawing/2014/main" id="{9CC88B33-D565-5388-C455-C87906017D5F}"/>
+                <a16:creationId xmlns:a16="http://schemas.microsoft.com/office/drawing/2014/main" id="{7BA29CA8-9343-943A-155A-225F2BE39A98}"/>
               </a:ext>
             </a:extLst>
           </p:cNvPr>
@@ -2868,7 +2868,7 @@
           <p:cNvPr id="4" name="日期占位符 3">
             <a:extLst>
               <a:ext uri="{FF2B5EF4-FFF2-40B4-BE49-F238E27FC236}">
-                <a16:creationId xmlns:a16="http://schemas.microsoft.com/office/drawing/2014/main" id="{B58B4460-0BC8-6808-4042-6BF0E85F1009}"/>
+                <a16:creationId xmlns:a16="http://schemas.microsoft.com/office/drawing/2014/main" id="{CB041528-4ABC-A7C7-07E9-EC594EDF0070}"/>
               </a:ext>
             </a:extLst>
           </p:cNvPr>
@@ -2902,7 +2902,7 @@
             </a:lvl1pPr>
           </a:lstStyle>
           <a:p>
-            <a:fld id="{5269C7B9-CD81-44B8-BBED-32535DFC7059}" type="datetimeFigureOut">
+            <a:fld id="{3139CDDD-6DCD-474E-82F6-523633740C46}" type="datetimeFigureOut">
               <a:rPr lang="zh-CN" altLang="en-US" smtClean="0"/>
               <a:t>2024/3/10</a:t>
             </a:fld>
@@ -2915,7 +2915,7 @@
           <p:cNvPr id="5" name="页脚占位符 4">
             <a:extLst>
               <a:ext uri="{FF2B5EF4-FFF2-40B4-BE49-F238E27FC236}">
-                <a16:creationId xmlns:a16="http://schemas.microsoft.com/office/drawing/2014/main" id="{2E891F59-E50B-F8E6-CC2B-879CECBF1FBE}"/>
+                <a16:creationId xmlns:a16="http://schemas.microsoft.com/office/drawing/2014/main" id="{001C0CEC-0F0D-DA16-63A4-BD884A92B3CA}"/>
               </a:ext>
             </a:extLst>
           </p:cNvPr>
@@ -2958,7 +2958,7 @@
           <p:cNvPr id="6" name="灯片编号占位符 5">
             <a:extLst>
               <a:ext uri="{FF2B5EF4-FFF2-40B4-BE49-F238E27FC236}">
-                <a16:creationId xmlns:a16="http://schemas.microsoft.com/office/drawing/2014/main" id="{F16A6F97-B972-A0AE-EA54-C6318C9E1C9D}"/>
+                <a16:creationId xmlns:a16="http://schemas.microsoft.com/office/drawing/2014/main" id="{8A050E92-94BB-1304-9304-392EBD76AADD}"/>
               </a:ext>
             </a:extLst>
           </p:cNvPr>
@@ -2992,7 +2992,7 @@
             </a:lvl1pPr>
           </a:lstStyle>
           <a:p>
-            <a:fld id="{57AFC765-9596-47B3-BA43-92AF81B90D33}" type="slidenum">
+            <a:fld id="{829E0766-E99F-4AB1-9D2D-DE9FBE7617AD}" type="slidenum">
               <a:rPr lang="zh-CN" altLang="en-US" smtClean="0"/>
               <a:t>‹#›</a:t>
             </a:fld>
@@ -3003,7 +3003,7 @@
     </p:spTree>
     <p:extLst>
       <p:ext uri="{BB962C8B-B14F-4D97-AF65-F5344CB8AC3E}">
-        <p14:creationId xmlns:p14="http://schemas.microsoft.com/office/powerpoint/2010/main" val="2769907941"/>
+        <p14:creationId xmlns:p14="http://schemas.microsoft.com/office/powerpoint/2010/main" val="2176944223"/>
       </p:ext>
     </p:extLst>
   </p:cSld>
